--- a/Credit Card Fraud Analytics Dashboard/presentation/Credit_Card_Fraud_Analytics.pptx
+++ b/Credit Card Fraud Analytics Dashboard/presentation/Credit_Card_Fraud_Analytics.pptx
@@ -238,7 +238,7 @@
           <a:p>
             <a:fld id="{6678463E-508A-4D3F-B757-4685B89E77FA}" type="datetimeFigureOut">
               <a:rPr lang="en-IN" smtClean="0"/>
-              <a:t>13-09-2024</a:t>
+              <a:t>17-02-2026</a:t>
             </a:fld>
             <a:endParaRPr lang="en-IN"/>
           </a:p>
@@ -2403,7 +2403,7 @@
             <a:fld id="{E30E2307-1E40-4E12-8716-25BFDA8E7013}" type="datetime1">
               <a:rPr lang="en-US" smtClean="0"/>
               <a:pPr/>
-              <a:t>9/13/2024</a:t>
+              <a:t>2/17/2026</a:t>
             </a:fld>
             <a:endParaRPr lang="en-US"/>
           </a:p>
@@ -2586,7 +2586,7 @@
             <a:fld id="{E5CFCF5A-EA79-452C-A52C-1A2668C2E7DF}" type="datetime1">
               <a:rPr lang="en-US" smtClean="0"/>
               <a:pPr/>
-              <a:t>9/13/2024</a:t>
+              <a:t>2/17/2026</a:t>
             </a:fld>
             <a:endParaRPr lang="en-US"/>
           </a:p>
@@ -2739,7 +2739,7 @@
             <a:fld id="{2E5C4C28-BD4B-4892-9A2D-6E19BD753A9A}" type="datetime1">
               <a:rPr lang="en-US" smtClean="0"/>
               <a:pPr/>
-              <a:t>9/13/2024</a:t>
+              <a:t>2/17/2026</a:t>
             </a:fld>
             <a:endParaRPr lang="en-US"/>
           </a:p>
@@ -4567,7 +4567,7 @@
             <a:fld id="{61FD9D02-426E-46C9-9EE9-0DE1EF8B2838}" type="datetime1">
               <a:rPr lang="en-US" smtClean="0"/>
               <a:pPr/>
-              <a:t>9/13/2024</a:t>
+              <a:t>2/17/2026</a:t>
             </a:fld>
             <a:endParaRPr lang="en-US"/>
           </a:p>
@@ -6439,7 +6439,7 @@
             <a:fld id="{7B8AEBBE-F8B2-42CF-9895-E86A608384EB}" type="datetime1">
               <a:rPr lang="en-US" smtClean="0"/>
               <a:pPr/>
-              <a:t>9/13/2024</a:t>
+              <a:t>2/17/2026</a:t>
             </a:fld>
             <a:endParaRPr lang="en-US"/>
           </a:p>
@@ -6554,7 +6554,7 @@
             <a:fld id="{E1FAA6B6-10E5-4810-BC9F-DA72D8452E73}" type="datetime1">
               <a:rPr lang="en-US" smtClean="0"/>
               <a:pPr/>
-              <a:t>9/13/2024</a:t>
+              <a:t>2/17/2026</a:t>
             </a:fld>
             <a:endParaRPr lang="en-US"/>
           </a:p>
@@ -7097,7 +7097,7 @@
             <a:fld id="{6D18D072-EF12-4AA2-BD71-ABC68B06D0E2}" type="datetime1">
               <a:rPr lang="en-US" smtClean="0"/>
               <a:pPr/>
-              <a:t>9/13/2024</a:t>
+              <a:t>2/17/2026</a:t>
             </a:fld>
             <a:endParaRPr lang="en-US"/>
           </a:p>
@@ -7212,7 +7212,7 @@
             <a:fld id="{B8CDBF60-6CC3-4B74-A60D-3486985E4346}" type="datetime1">
               <a:rPr lang="en-US" smtClean="0"/>
               <a:pPr/>
-              <a:t>9/13/2024</a:t>
+              <a:t>2/17/2026</a:t>
             </a:fld>
             <a:endParaRPr lang="en-US"/>
           </a:p>
@@ -8925,7 +8925,7 @@
             <a:fld id="{22714818-984F-4759-BF72-A33BDC1963BD}" type="datetime1">
               <a:rPr lang="en-US" smtClean="0"/>
               <a:pPr/>
-              <a:t>9/13/2024</a:t>
+              <a:t>2/17/2026</a:t>
             </a:fld>
             <a:endParaRPr lang="en-US"/>
           </a:p>
@@ -9078,7 +9078,7 @@
             <a:fld id="{9EA7E191-5F94-4FC1-B823-BD7CABF7FA06}" type="datetime1">
               <a:rPr lang="en-US" smtClean="0"/>
               <a:pPr/>
-              <a:t>9/13/2024</a:t>
+              <a:t>2/17/2026</a:t>
             </a:fld>
             <a:endParaRPr lang="en-US"/>
           </a:p>
@@ -12695,7 +12695,7 @@
             <a:fld id="{88856D55-EFBE-4F9B-8A5F-09D42CA22A9B}" type="datetime1">
               <a:rPr lang="en-US" smtClean="0"/>
               <a:pPr/>
-              <a:t>9/13/2024</a:t>
+              <a:t>2/17/2026</a:t>
             </a:fld>
             <a:endParaRPr lang="en-US"/>
           </a:p>
@@ -14556,7 +14556,7 @@
             <a:fld id="{9D1D110F-3F4E-48D9-B8AA-5D0E825AFDBA}" type="datetime1">
               <a:rPr lang="en-US" smtClean="0"/>
               <a:pPr/>
-              <a:t>9/13/2024</a:t>
+              <a:t>2/17/2026</a:t>
             </a:fld>
             <a:endParaRPr lang="en-US"/>
           </a:p>
@@ -15146,7 +15146,7 @@
               <a:rPr lang="en-US" sz="2400" b="1" dirty="0" smtClean="0">
                 <a:hlinkClick r:id="rId2"/>
               </a:rPr>
-              <a:t>shirali.shah.1982@gmail.com</a:t>
+              <a:t>spshah2891@gmail.com</a:t>
             </a:r>
             <a:endParaRPr lang="en-US" sz="2400" b="1" dirty="0" smtClean="0"/>
           </a:p>
@@ -15192,7 +15192,7 @@
               <a:rPr lang="en-IN" sz="2400" dirty="0" smtClean="0">
                 <a:hlinkClick r:id="rId4"/>
               </a:rPr>
-              <a:t>github.com/sshah1982</a:t>
+              <a:t>github.com/shirali1982</a:t>
             </a:r>
             <a:endParaRPr lang="en-IN" sz="2400" dirty="0" smtClean="0"/>
           </a:p>
@@ -22025,7 +22025,7 @@
               <a:rPr lang="en-US" b="1" dirty="0" smtClean="0">
                 <a:hlinkClick r:id="rId2"/>
               </a:rPr>
-              <a:t>shirali.shah.1982@gmail.com</a:t>
+              <a:t>spshah2891@gmail.com</a:t>
             </a:r>
             <a:endParaRPr lang="en-US" b="1" dirty="0"/>
           </a:p>
@@ -22065,13 +22065,19 @@
               <a:rPr lang="en-IN" dirty="0">
                 <a:hlinkClick r:id="rId4"/>
               </a:rPr>
-              <a:t>https://</a:t>
-            </a:r>
-            <a:r>
-              <a:rPr lang="en-IN" dirty="0" smtClean="0">
+              <a:t>https</a:t>
+            </a:r>
+            <a:r>
+              <a:rPr lang="en-IN">
                 <a:hlinkClick r:id="rId4"/>
               </a:rPr>
-              <a:t>github.com/sshah1982</a:t>
+              <a:t>://</a:t>
+            </a:r>
+            <a:r>
+              <a:rPr lang="en-IN" smtClean="0">
+                <a:hlinkClick r:id="rId4"/>
+              </a:rPr>
+              <a:t>github.com/shirali1982</a:t>
             </a:r>
             <a:endParaRPr lang="en-IN" dirty="0" smtClean="0"/>
           </a:p>
